--- a/Präsentation/MobileAppsWiSe1718_Dietze_Schmitt_Vorabversion.pptx
+++ b/Präsentation/MobileAppsWiSe1718_Dietze_Schmitt_Vorabversion.pptx
@@ -120,7 +120,7 @@
   </p:defaultTextStyle>
   <p:extLst>
     <p:ext uri="{EFAFB233-063F-42B5-8137-9DF3F51BA10A}">
-      <p15:sldGuideLst xmlns:p15="http://schemas.microsoft.com/office/powerpoint/2012/main" xmlns=""/>
+      <p15:sldGuideLst xmlns="" xmlns:p15="http://schemas.microsoft.com/office/powerpoint/2012/main"/>
     </p:ext>
   </p:extLst>
 </p:presentation>
@@ -213,7 +213,7 @@
             <a:fld id="{3300AA14-2A73-435F-AE39-3E8C5103A088}" type="datetimeFigureOut">
               <a:rPr lang="de-DE" smtClean="0"/>
               <a:pPr/>
-              <a:t>01.03.2018</a:t>
+              <a:t>02.03.2018</a:t>
             </a:fld>
             <a:endParaRPr lang="de-DE"/>
           </a:p>
@@ -381,7 +381,7 @@
     </p:spTree>
     <p:extLst>
       <p:ext uri="{BB962C8B-B14F-4D97-AF65-F5344CB8AC3E}">
-        <p14:creationId xmlns:p14="http://schemas.microsoft.com/office/powerpoint/2010/main" xmlns="" val="1502721074"/>
+        <p14:creationId xmlns="" xmlns:p14="http://schemas.microsoft.com/office/powerpoint/2010/main" val="1502721074"/>
       </p:ext>
     </p:extLst>
   </p:cSld>
@@ -8559,7 +8559,7 @@
             <a:fld id="{C4B80BF8-476B-4766-A9CF-ADF7151AEE34}" type="datetimeFigureOut">
               <a:rPr lang="de-DE" smtClean="0"/>
               <a:pPr/>
-              <a:t>01.03.2018</a:t>
+              <a:t>02.03.2018</a:t>
             </a:fld>
             <a:endParaRPr lang="de-DE"/>
           </a:p>
@@ -8787,7 +8787,7 @@
             <a:fld id="{C4B80BF8-476B-4766-A9CF-ADF7151AEE34}" type="datetimeFigureOut">
               <a:rPr lang="de-DE" smtClean="0"/>
               <a:pPr/>
-              <a:t>01.03.2018</a:t>
+              <a:t>02.03.2018</a:t>
             </a:fld>
             <a:endParaRPr lang="de-DE"/>
           </a:p>
@@ -8964,7 +8964,7 @@
             <a:fld id="{C4B80BF8-476B-4766-A9CF-ADF7151AEE34}" type="datetimeFigureOut">
               <a:rPr lang="de-DE" smtClean="0"/>
               <a:pPr/>
-              <a:t>01.03.2018</a:t>
+              <a:t>02.03.2018</a:t>
             </a:fld>
             <a:endParaRPr lang="de-DE"/>
           </a:p>
@@ -9131,7 +9131,7 @@
             <a:fld id="{C4B80BF8-476B-4766-A9CF-ADF7151AEE34}" type="datetimeFigureOut">
               <a:rPr lang="de-DE" smtClean="0"/>
               <a:pPr/>
-              <a:t>01.03.2018</a:t>
+              <a:t>02.03.2018</a:t>
             </a:fld>
             <a:endParaRPr lang="de-DE"/>
           </a:p>
@@ -9377,7 +9377,7 @@
             <a:fld id="{C4B80BF8-476B-4766-A9CF-ADF7151AEE34}" type="datetimeFigureOut">
               <a:rPr lang="de-DE" smtClean="0"/>
               <a:pPr/>
-              <a:t>01.03.2018</a:t>
+              <a:t>02.03.2018</a:t>
             </a:fld>
             <a:endParaRPr lang="de-DE"/>
           </a:p>
@@ -9643,7 +9643,7 @@
             <a:fld id="{C4B80BF8-476B-4766-A9CF-ADF7151AEE34}" type="datetimeFigureOut">
               <a:rPr lang="de-DE" smtClean="0"/>
               <a:pPr/>
-              <a:t>01.03.2018</a:t>
+              <a:t>02.03.2018</a:t>
             </a:fld>
             <a:endParaRPr lang="de-DE"/>
           </a:p>
@@ -10019,7 +10019,7 @@
             <a:fld id="{C4B80BF8-476B-4766-A9CF-ADF7151AEE34}" type="datetimeFigureOut">
               <a:rPr lang="de-DE" smtClean="0"/>
               <a:pPr/>
-              <a:t>01.03.2018</a:t>
+              <a:t>02.03.2018</a:t>
             </a:fld>
             <a:endParaRPr lang="de-DE"/>
           </a:p>
@@ -10134,7 +10134,7 @@
             <a:fld id="{C4B80BF8-476B-4766-A9CF-ADF7151AEE34}" type="datetimeFigureOut">
               <a:rPr lang="de-DE" smtClean="0"/>
               <a:pPr/>
-              <a:t>01.03.2018</a:t>
+              <a:t>02.03.2018</a:t>
             </a:fld>
             <a:endParaRPr lang="de-DE"/>
           </a:p>
@@ -10226,7 +10226,7 @@
             <a:fld id="{C4B80BF8-476B-4766-A9CF-ADF7151AEE34}" type="datetimeFigureOut">
               <a:rPr lang="de-DE" smtClean="0"/>
               <a:pPr/>
-              <a:t>01.03.2018</a:t>
+              <a:t>02.03.2018</a:t>
             </a:fld>
             <a:endParaRPr lang="de-DE"/>
           </a:p>
@@ -10486,7 +10486,7 @@
             <a:fld id="{C4B80BF8-476B-4766-A9CF-ADF7151AEE34}" type="datetimeFigureOut">
               <a:rPr lang="de-DE" smtClean="0"/>
               <a:pPr/>
-              <a:t>01.03.2018</a:t>
+              <a:t>02.03.2018</a:t>
             </a:fld>
             <a:endParaRPr lang="de-DE"/>
           </a:p>
@@ -10752,7 +10752,7 @@
             <a:fld id="{C4B80BF8-476B-4766-A9CF-ADF7151AEE34}" type="datetimeFigureOut">
               <a:rPr lang="de-DE" smtClean="0"/>
               <a:pPr/>
-              <a:t>01.03.2018</a:t>
+              <a:t>02.03.2018</a:t>
             </a:fld>
             <a:endParaRPr lang="de-DE"/>
           </a:p>
@@ -10971,7 +10971,7 @@
             <a:fld id="{C4B80BF8-476B-4766-A9CF-ADF7151AEE34}" type="datetimeFigureOut">
               <a:rPr lang="de-DE" smtClean="0"/>
               <a:pPr/>
-              <a:t>01.03.2018</a:t>
+              <a:t>02.03.2018</a:t>
             </a:fld>
             <a:endParaRPr lang="de-DE"/>
           </a:p>
@@ -11433,7 +11433,7 @@
           <p:cNvPr id="2" name="Titel 1">
             <a:extLst>
               <a:ext uri="{FF2B5EF4-FFF2-40B4-BE49-F238E27FC236}">
-                <a16:creationId xmlns:a16="http://schemas.microsoft.com/office/drawing/2014/main" xmlns="" id="{D022B0C4-B30D-4A9D-9E02-80BD22876D3A}"/>
+                <a16:creationId xmlns="" xmlns:a16="http://schemas.microsoft.com/office/drawing/2014/main" id="{D022B0C4-B30D-4A9D-9E02-80BD22876D3A}"/>
               </a:ext>
             </a:extLst>
           </p:cNvPr>
@@ -11479,7 +11479,7 @@
           <p:cNvPr id="3" name="Untertitel 2">
             <a:extLst>
               <a:ext uri="{FF2B5EF4-FFF2-40B4-BE49-F238E27FC236}">
-                <a16:creationId xmlns:a16="http://schemas.microsoft.com/office/drawing/2014/main" xmlns="" id="{9225E93E-704D-4AD1-8E48-542D38F3FADE}"/>
+                <a16:creationId xmlns="" xmlns:a16="http://schemas.microsoft.com/office/drawing/2014/main" id="{9225E93E-704D-4AD1-8E48-542D38F3FADE}"/>
               </a:ext>
             </a:extLst>
           </p:cNvPr>
@@ -12193,7 +12193,7 @@
     </p:spTree>
     <p:extLst>
       <p:ext uri="{BB962C8B-B14F-4D97-AF65-F5344CB8AC3E}">
-        <p14:creationId xmlns:p14="http://schemas.microsoft.com/office/powerpoint/2010/main" xmlns="" val="1795383637"/>
+        <p14:creationId xmlns="" xmlns:p14="http://schemas.microsoft.com/office/powerpoint/2010/main" val="1795383637"/>
       </p:ext>
     </p:extLst>
   </p:cSld>
@@ -12232,7 +12232,7 @@
           <p:cNvPr id="2" name="Titel 1">
             <a:extLst>
               <a:ext uri="{FF2B5EF4-FFF2-40B4-BE49-F238E27FC236}">
-                <a16:creationId xmlns:a16="http://schemas.microsoft.com/office/drawing/2014/main" xmlns="" id="{9E91557E-A725-4A8B-95A3-1EE0BED7E86D}"/>
+                <a16:creationId xmlns="" xmlns:a16="http://schemas.microsoft.com/office/drawing/2014/main" id="{9E91557E-A725-4A8B-95A3-1EE0BED7E86D}"/>
               </a:ext>
             </a:extLst>
           </p:cNvPr>
@@ -12254,7 +12254,15 @@
             </a:r>
             <a:r>
               <a:rPr lang="de-DE" dirty="0" smtClean="0"/>
-              <a:t> – Manuel (liegt gerade flach)</a:t>
+              <a:t> – Manuel </a:t>
+            </a:r>
+            <a:r>
+              <a:rPr lang="de-DE" dirty="0" smtClean="0"/>
+              <a:t>(52h</a:t>
+            </a:r>
+            <a:r>
+              <a:rPr lang="de-DE" dirty="0" smtClean="0"/>
+              <a:t>)</a:t>
             </a:r>
             <a:endParaRPr lang="de-DE" dirty="0"/>
           </a:p>
@@ -12272,7 +12280,7 @@
         </p:nvGraphicFramePr>
         <p:xfrm>
           <a:off x="609600" y="1600200"/>
-          <a:ext cx="10972800" cy="5130800"/>
+          <a:ext cx="10972800" cy="6228080"/>
         </p:xfrm>
         <a:graphic>
           <a:graphicData uri="http://schemas.openxmlformats.org/drawingml/2006/table">
@@ -12340,7 +12348,7 @@
                     <a:p>
                       <a:r>
                         <a:rPr lang="de-DE" dirty="0" smtClean="0"/>
-                        <a:t>22.02</a:t>
+                        <a:t>08.02</a:t>
                       </a:r>
                       <a:endParaRPr lang="de-DE" dirty="0"/>
                     </a:p>
@@ -12352,131 +12360,70 @@
                     <a:bodyPr/>
                     <a:lstStyle/>
                     <a:p>
-                      <a:pPr marL="0" marR="0" indent="0" algn="l" defTabSz="914400" rtl="0" eaLnBrk="1" fontAlgn="auto" latinLnBrk="0" hangingPunct="1">
-                        <a:lnSpc>
-                          <a:spcPct val="100000"/>
-                        </a:lnSpc>
-                        <a:spcBef>
-                          <a:spcPts val="0"/>
-                        </a:spcBef>
-                        <a:spcAft>
-                          <a:spcPts val="0"/>
-                        </a:spcAft>
-                        <a:buClrTx/>
-                        <a:buSzTx/>
-                        <a:buFontTx/>
-                        <a:buNone/>
-                        <a:tabLst/>
-                        <a:defRPr/>
-                      </a:pPr>
-                      <a:r>
-                        <a:rPr lang="de-DE" dirty="0" smtClean="0"/>
-                        <a:t>Initial </a:t>
-                      </a:r>
-                      <a:r>
-                        <a:rPr lang="de-DE" dirty="0" err="1" smtClean="0"/>
-                        <a:t>game</a:t>
-                      </a:r>
-                      <a:r>
-                        <a:rPr lang="de-DE" dirty="0" smtClean="0"/>
-                        <a:t> </a:t>
-                      </a:r>
-                      <a:r>
-                        <a:rPr lang="de-DE" dirty="0" err="1" smtClean="0"/>
-                        <a:t>commit</a:t>
-                      </a:r>
-                      <a:r>
-                        <a:rPr lang="de-DE" dirty="0" smtClean="0"/>
-                        <a:t>,</a:t>
-                      </a:r>
-                      <a:r>
-                        <a:rPr lang="de-DE" baseline="0" dirty="0" smtClean="0"/>
-                        <a:t> </a:t>
-                      </a:r>
-                      <a:r>
-                        <a:rPr lang="de-DE" baseline="0" dirty="0" err="1" smtClean="0"/>
-                        <a:t>g</a:t>
-                      </a:r>
-                      <a:r>
-                        <a:rPr lang="de-DE" dirty="0" err="1" smtClean="0"/>
-                        <a:t>etting</a:t>
-                      </a:r>
-                      <a:r>
-                        <a:rPr lang="de-DE" dirty="0" smtClean="0"/>
-                        <a:t> </a:t>
-                      </a:r>
-                      <a:r>
-                        <a:rPr lang="de-DE" dirty="0" err="1" smtClean="0"/>
-                        <a:t>more</a:t>
-                      </a:r>
-                      <a:r>
-                        <a:rPr lang="de-DE" dirty="0" smtClean="0"/>
-                        <a:t> </a:t>
-                      </a:r>
-                      <a:r>
-                        <a:rPr lang="de-DE" dirty="0" err="1" smtClean="0"/>
-                        <a:t>acquainted</a:t>
-                      </a:r>
-                      <a:r>
-                        <a:rPr lang="de-DE" dirty="0" smtClean="0"/>
-                        <a:t> </a:t>
-                      </a:r>
-                      <a:r>
-                        <a:rPr lang="de-DE" dirty="0" err="1" smtClean="0"/>
-                        <a:t>with</a:t>
-                      </a:r>
-                      <a:endParaRPr lang="de-DE" dirty="0" smtClean="0"/>
-                    </a:p>
-                    <a:p>
-                      <a:r>
-                        <a:rPr lang="de-DE" baseline="0" dirty="0" err="1" smtClean="0"/>
-                        <a:t>swift</a:t>
-                      </a:r>
-                      <a:r>
-                        <a:rPr lang="de-DE" baseline="0" dirty="0" smtClean="0"/>
-                        <a:t> </a:t>
-                      </a:r>
-                      <a:r>
-                        <a:rPr lang="de-DE" baseline="0" dirty="0" err="1" smtClean="0"/>
-                        <a:t>and</a:t>
-                      </a:r>
-                      <a:r>
-                        <a:rPr lang="de-DE" baseline="0" dirty="0" smtClean="0"/>
-                        <a:t> </a:t>
-                      </a:r>
-                      <a:r>
-                        <a:rPr lang="de-DE" baseline="0" dirty="0" err="1" smtClean="0"/>
-                        <a:t>spritekit</a:t>
-                      </a:r>
-                      <a:r>
-                        <a:rPr lang="de-DE" baseline="0" dirty="0" smtClean="0"/>
-                        <a:t>, </a:t>
-                      </a:r>
-                      <a:r>
-                        <a:rPr lang="de-DE" baseline="0" dirty="0" err="1" smtClean="0"/>
-                        <a:t>fighting</a:t>
-                      </a:r>
-                      <a:r>
-                        <a:rPr lang="de-DE" baseline="0" dirty="0" smtClean="0"/>
-                        <a:t> </a:t>
-                      </a:r>
-                      <a:r>
-                        <a:rPr lang="de-DE" baseline="0" dirty="0" err="1" smtClean="0"/>
-                        <a:t>with</a:t>
-                      </a:r>
-                      <a:r>
-                        <a:rPr lang="de-DE" baseline="0" dirty="0" smtClean="0"/>
-                        <a:t> VM  (2h </a:t>
-                      </a:r>
-                      <a:r>
-                        <a:rPr lang="de-DE" baseline="0" dirty="0" err="1" smtClean="0"/>
-                        <a:t>updates</a:t>
-                      </a:r>
-                      <a:r>
-                        <a:rPr lang="de-DE" baseline="0" dirty="0" smtClean="0"/>
-                        <a:t> ++)</a:t>
-                      </a:r>
-                      <a:endParaRPr lang="de-DE" dirty="0"/>
+                      <a:pPr rtl="0"/>
+                      <a:r>
+                        <a:rPr kumimoji="0" lang="en-US" sz="1800" kern="1200" dirty="0" smtClean="0">
+                          <a:solidFill>
+                            <a:schemeClr val="dk1"/>
+                          </a:solidFill>
+                          <a:latin typeface="+mn-lt"/>
+                          <a:ea typeface="+mn-ea"/>
+                          <a:cs typeface="+mn-cs"/>
+                        </a:rPr>
+                        <a:t>Put up development environment ( </a:t>
+                      </a:r>
+                      <a:r>
+                        <a:rPr kumimoji="0" lang="en-US" sz="1800" kern="1200" dirty="0" err="1" smtClean="0">
+                          <a:solidFill>
+                            <a:schemeClr val="dk1"/>
+                          </a:solidFill>
+                          <a:latin typeface="+mn-lt"/>
+                          <a:ea typeface="+mn-ea"/>
+                          <a:cs typeface="+mn-cs"/>
+                        </a:rPr>
+                        <a:t>VMWare</a:t>
+                      </a:r>
+                      <a:r>
+                        <a:rPr kumimoji="0" lang="en-US" sz="1800" kern="1200" dirty="0" smtClean="0">
+                          <a:solidFill>
+                            <a:schemeClr val="dk1"/>
+                          </a:solidFill>
+                          <a:latin typeface="+mn-lt"/>
+                          <a:ea typeface="+mn-ea"/>
+                          <a:cs typeface="+mn-cs"/>
+                        </a:rPr>
+                        <a:t> Player + MAC OS + </a:t>
+                      </a:r>
+                      <a:r>
+                        <a:rPr kumimoji="0" lang="en-US" sz="1800" kern="1200" dirty="0" err="1" smtClean="0">
+                          <a:solidFill>
+                            <a:schemeClr val="dk1"/>
+                          </a:solidFill>
+                          <a:latin typeface="+mn-lt"/>
+                          <a:ea typeface="+mn-ea"/>
+                          <a:cs typeface="+mn-cs"/>
+                        </a:rPr>
+                        <a:t>Xcode</a:t>
+                      </a:r>
+                      <a:r>
+                        <a:rPr kumimoji="0" lang="en-US" sz="1800" kern="1200" dirty="0" smtClean="0">
+                          <a:solidFill>
+                            <a:schemeClr val="dk1"/>
+                          </a:solidFill>
+                          <a:latin typeface="+mn-lt"/>
+                          <a:ea typeface="+mn-ea"/>
+                          <a:cs typeface="+mn-cs"/>
+                        </a:rPr>
+                        <a:t> + Simulators)</a:t>
+                      </a:r>
+                      <a:endParaRPr kumimoji="0" lang="en-US" sz="1800" kern="1200" dirty="0" smtClean="0">
+                        <a:solidFill>
+                          <a:schemeClr val="dk1"/>
+                        </a:solidFill>
+                        <a:latin typeface="+mn-lt"/>
+                        <a:ea typeface="+mn-ea"/>
+                        <a:cs typeface="+mn-cs"/>
+                      </a:endParaRPr>
                     </a:p>
                   </a:txBody>
                   <a:tcPr/>
@@ -12488,11 +12435,7 @@
                     <a:p>
                       <a:r>
                         <a:rPr lang="de-DE" dirty="0" smtClean="0"/>
-                        <a:t>4h + 4h </a:t>
-                      </a:r>
-                      <a:r>
-                        <a:rPr lang="de-DE" dirty="0" err="1" smtClean="0"/>
-                        <a:t>vm</a:t>
+                        <a:t>10h</a:t>
                       </a:r>
                       <a:endParaRPr lang="de-DE" dirty="0"/>
                     </a:p>
@@ -12508,7 +12451,7 @@
                     <a:p>
                       <a:r>
                         <a:rPr lang="de-DE" dirty="0" smtClean="0"/>
-                        <a:t>23.02</a:t>
+                        <a:t>10.02</a:t>
                       </a:r>
                       <a:endParaRPr lang="de-DE" dirty="0"/>
                     </a:p>
@@ -12520,99 +12463,59 @@
                     <a:bodyPr/>
                     <a:lstStyle/>
                     <a:p>
-                      <a:r>
-                        <a:rPr lang="de-DE" dirty="0" err="1" smtClean="0"/>
-                        <a:t>Outsourced</a:t>
-                      </a:r>
-                      <a:r>
-                        <a:rPr lang="de-DE" dirty="0" smtClean="0"/>
-                        <a:t> </a:t>
-                      </a:r>
-                      <a:r>
-                        <a:rPr lang="de-DE" dirty="0" err="1" smtClean="0"/>
-                        <a:t>game</a:t>
-                      </a:r>
-                      <a:r>
-                        <a:rPr lang="de-DE" baseline="0" dirty="0" smtClean="0"/>
-                        <a:t> </a:t>
-                      </a:r>
-                      <a:r>
-                        <a:rPr lang="de-DE" baseline="0" dirty="0" err="1" smtClean="0"/>
-                        <a:t>objects</a:t>
-                      </a:r>
-                      <a:r>
-                        <a:rPr lang="de-DE" baseline="0" dirty="0" smtClean="0"/>
-                        <a:t> (</a:t>
-                      </a:r>
-                      <a:r>
-                        <a:rPr lang="de-DE" baseline="0" dirty="0" err="1" smtClean="0"/>
-                        <a:t>player</a:t>
-                      </a:r>
-                      <a:r>
-                        <a:rPr lang="de-DE" baseline="0" dirty="0" smtClean="0"/>
-                        <a:t>, </a:t>
-                      </a:r>
-                      <a:r>
-                        <a:rPr lang="de-DE" baseline="0" dirty="0" err="1" smtClean="0"/>
-                        <a:t>enemy</a:t>
-                      </a:r>
-                      <a:r>
-                        <a:rPr lang="de-DE" baseline="0" dirty="0" smtClean="0"/>
-                        <a:t>, </a:t>
-                      </a:r>
-                      <a:r>
-                        <a:rPr lang="de-DE" baseline="0" dirty="0" err="1" smtClean="0"/>
-                        <a:t>background</a:t>
-                      </a:r>
-                      <a:r>
-                        <a:rPr lang="de-DE" baseline="0" dirty="0" smtClean="0"/>
-                        <a:t>) </a:t>
-                      </a:r>
-                      <a:r>
-                        <a:rPr lang="de-DE" baseline="0" dirty="0" err="1" smtClean="0"/>
-                        <a:t>into</a:t>
-                      </a:r>
-                      <a:r>
-                        <a:rPr lang="de-DE" baseline="0" dirty="0" smtClean="0"/>
-                        <a:t> </a:t>
-                      </a:r>
-                      <a:r>
-                        <a:rPr lang="de-DE" baseline="0" dirty="0" err="1" smtClean="0"/>
-                        <a:t>seperate</a:t>
-                      </a:r>
-                      <a:r>
-                        <a:rPr lang="de-DE" baseline="0" dirty="0" smtClean="0"/>
-                        <a:t> </a:t>
-                      </a:r>
-                      <a:r>
-                        <a:rPr lang="de-DE" baseline="0" dirty="0" err="1" smtClean="0"/>
-                        <a:t>classes</a:t>
-                      </a:r>
-                      <a:r>
-                        <a:rPr lang="de-DE" baseline="0" dirty="0" smtClean="0"/>
-                        <a:t>, </a:t>
-                      </a:r>
-                      <a:r>
-                        <a:rPr lang="de-DE" baseline="0" dirty="0" err="1" smtClean="0"/>
-                        <a:t>added</a:t>
-                      </a:r>
-                      <a:r>
-                        <a:rPr lang="de-DE" baseline="0" dirty="0" smtClean="0"/>
-                        <a:t> Audiomanager, </a:t>
-                      </a:r>
-                      <a:r>
-                        <a:rPr lang="de-DE" baseline="0" dirty="0" err="1" smtClean="0"/>
-                        <a:t>shot</a:t>
-                      </a:r>
-                      <a:r>
-                        <a:rPr lang="de-DE" baseline="0" dirty="0" smtClean="0"/>
-                        <a:t> </a:t>
-                      </a:r>
-                      <a:r>
-                        <a:rPr lang="de-DE" baseline="0" dirty="0" err="1" smtClean="0"/>
-                        <a:t>management</a:t>
-                      </a:r>
-                      <a:endParaRPr lang="de-DE" dirty="0"/>
+                      <a:pPr rtl="0"/>
+                      <a:r>
+                        <a:rPr kumimoji="0" lang="en-US" sz="1800" kern="1200" dirty="0" smtClean="0">
+                          <a:solidFill>
+                            <a:schemeClr val="dk1"/>
+                          </a:solidFill>
+                          <a:latin typeface="+mn-lt"/>
+                          <a:ea typeface="+mn-ea"/>
+                          <a:cs typeface="+mn-cs"/>
+                        </a:rPr>
+                        <a:t>Got used to Swift + </a:t>
+                      </a:r>
+                      <a:r>
+                        <a:rPr kumimoji="0" lang="en-US" sz="1800" kern="1200" dirty="0" err="1" smtClean="0">
+                          <a:solidFill>
+                            <a:schemeClr val="dk1"/>
+                          </a:solidFill>
+                          <a:latin typeface="+mn-lt"/>
+                          <a:ea typeface="+mn-ea"/>
+                          <a:cs typeface="+mn-cs"/>
+                        </a:rPr>
+                        <a:t>SpriteKit</a:t>
+                      </a:r>
+                      <a:endParaRPr kumimoji="0" lang="en-US" sz="1800" kern="1200" dirty="0" smtClean="0">
+                        <a:solidFill>
+                          <a:schemeClr val="dk1"/>
+                        </a:solidFill>
+                        <a:latin typeface="+mn-lt"/>
+                        <a:ea typeface="+mn-ea"/>
+                        <a:cs typeface="+mn-cs"/>
+                      </a:endParaRPr>
+                    </a:p>
+                    <a:p>
+                      <a:pPr rtl="0"/>
+                      <a:r>
+                        <a:rPr kumimoji="0" lang="en-US" sz="1800" kern="1200" baseline="0" dirty="0" smtClean="0">
+                          <a:solidFill>
+                            <a:schemeClr val="dk1"/>
+                          </a:solidFill>
+                          <a:latin typeface="+mn-lt"/>
+                          <a:ea typeface="+mn-ea"/>
+                          <a:cs typeface="+mn-cs"/>
+                        </a:rPr>
+                        <a:t>Created initial game logic: Scrolling Background + Ship + Shot +  Controls </a:t>
+                      </a:r>
+                      <a:endParaRPr kumimoji="0" lang="en-US" sz="1800" kern="1200" baseline="0" dirty="0" smtClean="0">
+                        <a:solidFill>
+                          <a:schemeClr val="dk1"/>
+                        </a:solidFill>
+                        <a:latin typeface="+mn-lt"/>
+                        <a:ea typeface="+mn-ea"/>
+                        <a:cs typeface="+mn-cs"/>
+                      </a:endParaRPr>
                     </a:p>
                   </a:txBody>
                   <a:tcPr/>
@@ -12624,7 +12527,7 @@
                     <a:p>
                       <a:r>
                         <a:rPr lang="de-DE" dirty="0" smtClean="0"/>
-                        <a:t>6h</a:t>
+                        <a:t>10h</a:t>
                       </a:r>
                       <a:endParaRPr lang="de-DE" dirty="0"/>
                     </a:p>
@@ -12640,7 +12543,7 @@
                     <a:p>
                       <a:r>
                         <a:rPr lang="de-DE" dirty="0" smtClean="0"/>
-                        <a:t>24.02</a:t>
+                        <a:t>16.02</a:t>
                       </a:r>
                       <a:endParaRPr lang="de-DE" dirty="0"/>
                     </a:p>
@@ -12652,79 +12555,92 @@
                     <a:bodyPr/>
                     <a:lstStyle/>
                     <a:p>
-                      <a:r>
-                        <a:rPr lang="de-DE" dirty="0" err="1" smtClean="0"/>
-                        <a:t>Collision</a:t>
-                      </a:r>
-                      <a:r>
-                        <a:rPr lang="de-DE" baseline="0" dirty="0" smtClean="0"/>
-                        <a:t> </a:t>
-                      </a:r>
-                      <a:r>
-                        <a:rPr lang="de-DE" baseline="0" dirty="0" err="1" smtClean="0"/>
-                        <a:t>tests</a:t>
-                      </a:r>
-                      <a:r>
-                        <a:rPr lang="de-DE" baseline="0" dirty="0" smtClean="0"/>
+                      <a:pPr rtl="0"/>
+                      <a:r>
+                        <a:rPr kumimoji="0" lang="en-US" sz="1800" kern="1200" dirty="0" smtClean="0">
+                          <a:solidFill>
+                            <a:schemeClr val="dk1"/>
+                          </a:solidFill>
+                          <a:latin typeface="+mn-lt"/>
+                          <a:ea typeface="+mn-ea"/>
+                          <a:cs typeface="+mn-cs"/>
+                        </a:rPr>
+                        <a:t>Got used to </a:t>
+                      </a:r>
+                      <a:r>
+                        <a:rPr kumimoji="0" lang="en-US" sz="1800" kern="1200" dirty="0" err="1" smtClean="0">
+                          <a:solidFill>
+                            <a:schemeClr val="dk1"/>
+                          </a:solidFill>
+                          <a:latin typeface="+mn-lt"/>
+                          <a:ea typeface="+mn-ea"/>
+                          <a:cs typeface="+mn-cs"/>
+                        </a:rPr>
+                        <a:t>SKActions</a:t>
+                      </a:r>
+                      <a:r>
+                        <a:rPr kumimoji="0" lang="en-US" sz="1800" kern="1200" dirty="0" smtClean="0">
+                          <a:solidFill>
+                            <a:schemeClr val="dk1"/>
+                          </a:solidFill>
+                          <a:latin typeface="+mn-lt"/>
+                          <a:ea typeface="+mn-ea"/>
+                          <a:cs typeface="+mn-cs"/>
+                        </a:rPr>
                         <a:t>, </a:t>
                       </a:r>
                       <a:r>
-                        <a:rPr lang="de-DE" baseline="0" dirty="0" err="1" smtClean="0"/>
-                        <a:t>get</a:t>
-                      </a:r>
-                      <a:r>
-                        <a:rPr lang="de-DE" baseline="0" dirty="0" smtClean="0"/>
-                        <a:t> </a:t>
-                      </a:r>
-                      <a:r>
-                        <a:rPr lang="de-DE" baseline="0" dirty="0" err="1" smtClean="0"/>
-                        <a:t>familiar</a:t>
-                      </a:r>
-                      <a:r>
-                        <a:rPr lang="de-DE" baseline="0" dirty="0" smtClean="0"/>
-                        <a:t> </a:t>
-                      </a:r>
-                      <a:r>
-                        <a:rPr lang="de-DE" baseline="0" dirty="0" err="1" smtClean="0"/>
-                        <a:t>with</a:t>
-                      </a:r>
-                      <a:r>
-                        <a:rPr lang="de-DE" baseline="0" dirty="0" smtClean="0"/>
-                        <a:t> </a:t>
-                      </a:r>
-                      <a:r>
-                        <a:rPr lang="de-DE" baseline="0" dirty="0" err="1" smtClean="0"/>
+                        <a:rPr kumimoji="0" lang="en-US" sz="1800" kern="1200" dirty="0" err="1" smtClean="0">
+                          <a:solidFill>
+                            <a:schemeClr val="dk1"/>
+                          </a:solidFill>
+                          <a:latin typeface="+mn-lt"/>
+                          <a:ea typeface="+mn-ea"/>
+                          <a:cs typeface="+mn-cs"/>
+                        </a:rPr>
                         <a:t>SpriteKit</a:t>
                       </a:r>
                       <a:r>
-                        <a:rPr lang="de-DE" baseline="0" dirty="0" smtClean="0"/>
-                        <a:t> </a:t>
-                      </a:r>
-                      <a:r>
-                        <a:rPr lang="de-DE" baseline="0" dirty="0" err="1" smtClean="0"/>
-                        <a:t>PhysicsBodies</a:t>
-                      </a:r>
-                      <a:r>
-                        <a:rPr lang="de-DE" baseline="0" dirty="0" smtClean="0"/>
-                        <a:t>, VM </a:t>
-                      </a:r>
-                      <a:r>
-                        <a:rPr lang="de-DE" baseline="0" dirty="0" err="1" smtClean="0"/>
-                        <a:t>again</a:t>
-                      </a:r>
-                      <a:r>
-                        <a:rPr lang="de-DE" baseline="0" dirty="0" smtClean="0"/>
-                        <a:t> GRRR (2h </a:t>
-                      </a:r>
-                      <a:r>
-                        <a:rPr lang="de-DE" baseline="0" dirty="0" err="1" smtClean="0"/>
-                        <a:t>updates</a:t>
-                      </a:r>
-                      <a:r>
-                        <a:rPr lang="de-DE" baseline="0" dirty="0" smtClean="0"/>
-                        <a:t> ++)</a:t>
-                      </a:r>
-                      <a:endParaRPr lang="de-DE" dirty="0"/>
+                        <a:rPr kumimoji="0" lang="en-US" sz="1800" kern="1200" dirty="0" smtClean="0">
+                          <a:solidFill>
+                            <a:schemeClr val="dk1"/>
+                          </a:solidFill>
+                          <a:latin typeface="+mn-lt"/>
+                          <a:ea typeface="+mn-ea"/>
+                          <a:cs typeface="+mn-cs"/>
+                        </a:rPr>
+                        <a:t>-Physics. Got familiar with gyro. VM started to have problems with data transfer (no internet, no data transfer from </a:t>
+                      </a:r>
+                      <a:r>
+                        <a:rPr kumimoji="0" lang="en-US" sz="1800" kern="1200" dirty="0" err="1" smtClean="0">
+                          <a:solidFill>
+                            <a:schemeClr val="dk1"/>
+                          </a:solidFill>
+                          <a:latin typeface="+mn-lt"/>
+                          <a:ea typeface="+mn-ea"/>
+                          <a:cs typeface="+mn-cs"/>
+                        </a:rPr>
+                        <a:t>vm</a:t>
+                      </a:r>
+                      <a:r>
+                        <a:rPr kumimoji="0" lang="en-US" sz="1800" kern="1200" dirty="0" smtClean="0">
+                          <a:solidFill>
+                            <a:schemeClr val="dk1"/>
+                          </a:solidFill>
+                          <a:latin typeface="+mn-lt"/>
+                          <a:ea typeface="+mn-ea"/>
+                          <a:cs typeface="+mn-cs"/>
+                        </a:rPr>
+                        <a:t> to host or drive)</a:t>
+                      </a:r>
+                      <a:endParaRPr kumimoji="0" lang="en-US" sz="1800" kern="1200" dirty="0" smtClean="0">
+                        <a:solidFill>
+                          <a:schemeClr val="dk1"/>
+                        </a:solidFill>
+                        <a:latin typeface="+mn-lt"/>
+                        <a:ea typeface="+mn-ea"/>
+                        <a:cs typeface="+mn-cs"/>
+                      </a:endParaRPr>
                     </a:p>
                   </a:txBody>
                   <a:tcPr/>
@@ -12736,39 +12652,7 @@
                     <a:p>
                       <a:r>
                         <a:rPr lang="de-DE" dirty="0" smtClean="0"/>
-                        <a:t>2h </a:t>
-                      </a:r>
-                      <a:r>
-                        <a:rPr lang="de-DE" baseline="0" dirty="0" smtClean="0"/>
-                        <a:t> + 4h </a:t>
-                      </a:r>
-                      <a:r>
-                        <a:rPr lang="de-DE" baseline="0" dirty="0" err="1" smtClean="0"/>
-                        <a:t>vm</a:t>
-                      </a:r>
-                      <a:r>
-                        <a:rPr lang="de-DE" baseline="0" dirty="0" smtClean="0"/>
-                        <a:t> </a:t>
-                      </a:r>
-                      <a:r>
-                        <a:rPr lang="de-DE" baseline="0" dirty="0" err="1" smtClean="0"/>
-                        <a:t>made</a:t>
-                      </a:r>
-                      <a:r>
-                        <a:rPr lang="de-DE" baseline="0" dirty="0" smtClean="0"/>
-                        <a:t> </a:t>
-                      </a:r>
-                      <a:r>
-                        <a:rPr lang="de-DE" baseline="0" dirty="0" err="1" smtClean="0"/>
-                        <a:t>my</a:t>
-                      </a:r>
-                      <a:r>
-                        <a:rPr lang="de-DE" baseline="0" dirty="0" smtClean="0"/>
-                        <a:t> </a:t>
-                      </a:r>
-                      <a:r>
-                        <a:rPr lang="de-DE" baseline="0" dirty="0" err="1" smtClean="0"/>
-                        <a:t>day</a:t>
+                        <a:t>10h</a:t>
                       </a:r>
                       <a:endParaRPr lang="de-DE" dirty="0"/>
                     </a:p>
@@ -12796,119 +12680,48 @@
                     <a:bodyPr/>
                     <a:lstStyle/>
                     <a:p>
-                      <a:r>
-                        <a:rPr lang="de-DE" dirty="0" smtClean="0"/>
-                        <a:t>Fist </a:t>
-                      </a:r>
-                      <a:r>
-                        <a:rPr lang="de-DE" dirty="0" err="1" smtClean="0"/>
-                        <a:t>game</a:t>
-                      </a:r>
-                      <a:r>
-                        <a:rPr lang="de-DE" dirty="0" smtClean="0"/>
-                        <a:t> </a:t>
-                      </a:r>
-                      <a:r>
-                        <a:rPr lang="de-DE" dirty="0" err="1" smtClean="0"/>
-                        <a:t>collisions</a:t>
-                      </a:r>
-                      <a:r>
-                        <a:rPr lang="de-DE" dirty="0" smtClean="0"/>
-                        <a:t> </a:t>
-                      </a:r>
-                      <a:r>
-                        <a:rPr lang="de-DE" dirty="0" err="1" smtClean="0"/>
-                        <a:t>with</a:t>
-                      </a:r>
-                      <a:r>
-                        <a:rPr lang="de-DE" dirty="0" smtClean="0"/>
-                        <a:t> </a:t>
-                      </a:r>
-                      <a:r>
-                        <a:rPr lang="de-DE" dirty="0" err="1" smtClean="0"/>
+                      <a:pPr rtl="0"/>
+                      <a:r>
+                        <a:rPr kumimoji="0" lang="en-US" sz="1800" kern="1200" dirty="0" smtClean="0">
+                          <a:solidFill>
+                            <a:schemeClr val="dk1"/>
+                          </a:solidFill>
+                          <a:latin typeface="+mn-lt"/>
+                          <a:ea typeface="+mn-ea"/>
+                          <a:cs typeface="+mn-cs"/>
+                        </a:rPr>
+                        <a:t>First collision tests (</a:t>
+                      </a:r>
+                      <a:r>
+                        <a:rPr kumimoji="0" lang="en-US" sz="1800" kern="1200" dirty="0" err="1" smtClean="0">
+                          <a:solidFill>
+                            <a:schemeClr val="dk1"/>
+                          </a:solidFill>
+                          <a:latin typeface="+mn-lt"/>
+                          <a:ea typeface="+mn-ea"/>
+                          <a:cs typeface="+mn-cs"/>
+                        </a:rPr>
                         <a:t>physicsMasks</a:t>
                       </a:r>
                       <a:r>
-                        <a:rPr lang="de-DE" dirty="0" smtClean="0"/>
-                        <a:t>, simple </a:t>
-                      </a:r>
-                      <a:r>
-                        <a:rPr lang="de-DE" dirty="0" err="1" smtClean="0"/>
-                        <a:t>shapes</a:t>
-                      </a:r>
-                      <a:r>
-                        <a:rPr lang="de-DE" baseline="0" dirty="0" smtClean="0"/>
-                        <a:t> (</a:t>
-                      </a:r>
-                      <a:r>
-                        <a:rPr lang="de-DE" baseline="0" dirty="0" err="1" smtClean="0"/>
-                        <a:t>cirles</a:t>
-                      </a:r>
-                      <a:r>
-                        <a:rPr lang="de-DE" baseline="0" dirty="0" smtClean="0"/>
-                        <a:t>, </a:t>
-                      </a:r>
-                      <a:r>
-                        <a:rPr lang="de-DE" baseline="0" dirty="0" err="1" smtClean="0"/>
-                        <a:t>boxes</a:t>
-                      </a:r>
-                      <a:r>
-                        <a:rPr lang="de-DE" baseline="0" dirty="0" smtClean="0"/>
-                        <a:t>), </a:t>
-                      </a:r>
-                      <a:r>
-                        <a:rPr lang="de-DE" baseline="0" dirty="0" err="1" smtClean="0"/>
-                        <a:t>playerBullet</a:t>
-                      </a:r>
-                      <a:r>
-                        <a:rPr lang="de-DE" baseline="0" dirty="0" smtClean="0"/>
-                        <a:t> </a:t>
-                      </a:r>
-                      <a:r>
-                        <a:rPr lang="de-DE" baseline="0" dirty="0" err="1" smtClean="0"/>
-                        <a:t>vs</a:t>
-                      </a:r>
-                      <a:r>
-                        <a:rPr lang="de-DE" baseline="0" dirty="0" smtClean="0"/>
-                        <a:t> </a:t>
-                      </a:r>
-                      <a:r>
-                        <a:rPr lang="de-DE" baseline="0" dirty="0" err="1" smtClean="0"/>
-                        <a:t>enemy</a:t>
-                      </a:r>
-                      <a:r>
-                        <a:rPr lang="de-DE" baseline="0" dirty="0" smtClean="0"/>
-                        <a:t> </a:t>
-                      </a:r>
-                      <a:r>
-                        <a:rPr lang="de-DE" baseline="0" dirty="0" err="1" smtClean="0"/>
-                        <a:t>vs</a:t>
-                      </a:r>
-                      <a:r>
-                        <a:rPr lang="de-DE" baseline="0" dirty="0" smtClean="0"/>
-                        <a:t> </a:t>
-                      </a:r>
-                      <a:r>
-                        <a:rPr lang="de-DE" baseline="0" dirty="0" err="1" smtClean="0"/>
-                        <a:t>player</a:t>
-                      </a:r>
-                      <a:r>
-                        <a:rPr lang="de-DE" baseline="0" dirty="0" smtClean="0"/>
-                        <a:t> </a:t>
-                      </a:r>
-                      <a:r>
-                        <a:rPr lang="de-DE" baseline="0" dirty="0" err="1" smtClean="0"/>
-                        <a:t>intersection</a:t>
-                      </a:r>
-                      <a:r>
-                        <a:rPr lang="de-DE" baseline="0" dirty="0" smtClean="0"/>
-                        <a:t>, </a:t>
-                      </a:r>
-                      <a:r>
-                        <a:rPr lang="de-DE" baseline="0" dirty="0" err="1" smtClean="0"/>
-                        <a:t>debug</a:t>
-                      </a:r>
-                      <a:endParaRPr lang="de-DE" dirty="0"/>
+                        <a:rPr kumimoji="0" lang="en-US" sz="1800" kern="1200" dirty="0" smtClean="0">
+                          <a:solidFill>
+                            <a:schemeClr val="dk1"/>
+                          </a:solidFill>
+                          <a:latin typeface="+mn-lt"/>
+                          <a:ea typeface="+mn-ea"/>
+                          <a:cs typeface="+mn-cs"/>
+                        </a:rPr>
+                        <a:t>, bounding boxes, intersections between player, bullet, enemy, asteroid)</a:t>
+                      </a:r>
+                      <a:endParaRPr kumimoji="0" lang="en-US" sz="1800" kern="1200" dirty="0" smtClean="0">
+                        <a:solidFill>
+                          <a:schemeClr val="dk1"/>
+                        </a:solidFill>
+                        <a:latin typeface="+mn-lt"/>
+                        <a:ea typeface="+mn-ea"/>
+                        <a:cs typeface="+mn-cs"/>
+                      </a:endParaRPr>
                     </a:p>
                   </a:txBody>
                   <a:tcPr/>
@@ -12920,7 +12733,7 @@
                     <a:p>
                       <a:r>
                         <a:rPr lang="de-DE" dirty="0" smtClean="0"/>
-                        <a:t>5h</a:t>
+                        <a:t>6h</a:t>
                       </a:r>
                       <a:endParaRPr lang="de-DE" dirty="0"/>
                     </a:p>
@@ -12948,239 +12761,48 @@
                     <a:bodyPr/>
                     <a:lstStyle/>
                     <a:p>
-                      <a:r>
-                        <a:rPr lang="de-DE" dirty="0" smtClean="0"/>
-                        <a:t>Final </a:t>
-                      </a:r>
-                      <a:r>
-                        <a:rPr lang="de-DE" dirty="0" err="1" smtClean="0"/>
-                        <a:t>collision</a:t>
-                      </a:r>
-                      <a:r>
-                        <a:rPr lang="de-DE" baseline="0" dirty="0" smtClean="0"/>
-                        <a:t> </a:t>
-                      </a:r>
-                      <a:r>
-                        <a:rPr lang="de-DE" baseline="0" dirty="0" err="1" smtClean="0"/>
-                        <a:t>between</a:t>
-                      </a:r>
-                      <a:r>
-                        <a:rPr lang="de-DE" baseline="0" dirty="0" smtClean="0"/>
-                        <a:t> </a:t>
-                      </a:r>
-                      <a:r>
-                        <a:rPr lang="de-DE" baseline="0" dirty="0" err="1" smtClean="0"/>
-                        <a:t>player</a:t>
-                      </a:r>
-                      <a:r>
-                        <a:rPr lang="de-DE" baseline="0" dirty="0" smtClean="0"/>
-                        <a:t>, </a:t>
-                      </a:r>
-                      <a:r>
-                        <a:rPr lang="de-DE" baseline="0" dirty="0" err="1" smtClean="0"/>
-                        <a:t>enemy</a:t>
-                      </a:r>
-                      <a:r>
-                        <a:rPr lang="de-DE" baseline="0" dirty="0" smtClean="0"/>
-                        <a:t> </a:t>
-                      </a:r>
-                      <a:r>
-                        <a:rPr lang="de-DE" baseline="0" dirty="0" err="1" smtClean="0"/>
-                        <a:t>and</a:t>
-                      </a:r>
-                      <a:r>
-                        <a:rPr lang="de-DE" baseline="0" dirty="0" smtClean="0"/>
-                        <a:t> </a:t>
-                      </a:r>
-                      <a:r>
-                        <a:rPr lang="de-DE" baseline="0" dirty="0" err="1" smtClean="0"/>
-                        <a:t>bullets</a:t>
-                      </a:r>
-                      <a:r>
-                        <a:rPr lang="de-DE" baseline="0" dirty="0" smtClean="0"/>
-                        <a:t> </a:t>
-                      </a:r>
-                      <a:r>
-                        <a:rPr lang="de-DE" baseline="0" dirty="0" err="1" smtClean="0"/>
-                        <a:t>is</a:t>
-                      </a:r>
-                      <a:r>
-                        <a:rPr lang="de-DE" baseline="0" dirty="0" smtClean="0"/>
-                        <a:t> </a:t>
-                      </a:r>
-                      <a:r>
-                        <a:rPr lang="de-DE" baseline="0" dirty="0" err="1" smtClean="0"/>
-                        <a:t>polygone</a:t>
-                      </a:r>
-                      <a:r>
-                        <a:rPr lang="de-DE" baseline="0" dirty="0" smtClean="0"/>
-                        <a:t> </a:t>
-                      </a:r>
-                      <a:r>
-                        <a:rPr lang="de-DE" baseline="0" dirty="0" err="1" smtClean="0"/>
-                        <a:t>based</a:t>
-                      </a:r>
-                      <a:r>
-                        <a:rPr lang="de-DE" baseline="0" dirty="0" smtClean="0"/>
-                        <a:t> </a:t>
-                      </a:r>
-                      <a:r>
-                        <a:rPr lang="de-DE" baseline="0" dirty="0" err="1" smtClean="0"/>
-                        <a:t>by</a:t>
-                      </a:r>
-                      <a:r>
-                        <a:rPr lang="de-DE" baseline="0" dirty="0" smtClean="0"/>
-                        <a:t> </a:t>
-                      </a:r>
-                      <a:r>
-                        <a:rPr lang="de-DE" baseline="0" dirty="0" err="1" smtClean="0"/>
-                        <a:t>the</a:t>
-                      </a:r>
-                      <a:r>
-                        <a:rPr lang="de-DE" baseline="0" dirty="0" smtClean="0"/>
-                        <a:t> </a:t>
-                      </a:r>
-                      <a:r>
-                        <a:rPr lang="de-DE" baseline="0" dirty="0" err="1" smtClean="0"/>
-                        <a:t>shape</a:t>
-                      </a:r>
-                      <a:r>
-                        <a:rPr lang="de-DE" baseline="0" dirty="0" smtClean="0"/>
-                        <a:t> </a:t>
-                      </a:r>
-                      <a:r>
-                        <a:rPr lang="de-DE" baseline="0" dirty="0" err="1" smtClean="0"/>
-                        <a:t>of</a:t>
-                      </a:r>
-                      <a:r>
-                        <a:rPr lang="de-DE" baseline="0" dirty="0" smtClean="0"/>
-                        <a:t> </a:t>
-                      </a:r>
-                      <a:r>
-                        <a:rPr lang="de-DE" baseline="0" dirty="0" err="1" smtClean="0"/>
-                        <a:t>the</a:t>
-                      </a:r>
-                      <a:r>
-                        <a:rPr lang="de-DE" baseline="0" dirty="0" smtClean="0"/>
-                        <a:t> non </a:t>
-                      </a:r>
-                      <a:r>
-                        <a:rPr lang="de-DE" baseline="0" dirty="0" err="1" smtClean="0"/>
-                        <a:t>alpha</a:t>
-                      </a:r>
-                      <a:r>
-                        <a:rPr lang="de-DE" baseline="0" dirty="0" smtClean="0"/>
-                        <a:t> </a:t>
-                      </a:r>
-                      <a:r>
-                        <a:rPr lang="de-DE" baseline="0" dirty="0" err="1" smtClean="0"/>
-                        <a:t>texels</a:t>
-                      </a:r>
-                      <a:r>
-                        <a:rPr lang="de-DE" baseline="0" dirty="0" smtClean="0"/>
-                        <a:t> </a:t>
-                      </a:r>
-                      <a:r>
-                        <a:rPr lang="de-DE" baseline="0" dirty="0" err="1" smtClean="0"/>
-                        <a:t>of</a:t>
-                      </a:r>
-                      <a:r>
-                        <a:rPr lang="de-DE" baseline="0" dirty="0" smtClean="0"/>
-                        <a:t> a </a:t>
-                      </a:r>
-                      <a:r>
-                        <a:rPr lang="de-DE" baseline="0" dirty="0" err="1" smtClean="0"/>
-                        <a:t>texture</a:t>
-                      </a:r>
-                      <a:r>
-                        <a:rPr lang="de-DE" baseline="0" dirty="0" smtClean="0"/>
-                        <a:t> (</a:t>
-                      </a:r>
-                      <a:r>
-                        <a:rPr lang="de-DE" baseline="0" dirty="0" err="1" smtClean="0"/>
-                        <a:t>edge</a:t>
-                      </a:r>
-                      <a:r>
-                        <a:rPr lang="de-DE" baseline="0" dirty="0" smtClean="0"/>
-                        <a:t> – </a:t>
-                      </a:r>
-                      <a:r>
-                        <a:rPr lang="de-DE" baseline="0" dirty="0" err="1" smtClean="0"/>
-                        <a:t>shape</a:t>
-                      </a:r>
-                      <a:r>
-                        <a:rPr lang="de-DE" baseline="0" dirty="0" smtClean="0"/>
-                        <a:t>), </a:t>
-                      </a:r>
-                      <a:r>
-                        <a:rPr lang="de-DE" baseline="0" dirty="0" err="1" smtClean="0"/>
-                        <a:t>player</a:t>
-                      </a:r>
-                      <a:r>
-                        <a:rPr lang="de-DE" baseline="0" dirty="0" smtClean="0"/>
-                        <a:t> </a:t>
-                      </a:r>
-                      <a:r>
-                        <a:rPr lang="de-DE" baseline="0" dirty="0" err="1" smtClean="0"/>
-                        <a:t>lifes</a:t>
-                      </a:r>
-                      <a:r>
-                        <a:rPr lang="de-DE" baseline="0" dirty="0" smtClean="0"/>
-                        <a:t> </a:t>
-                      </a:r>
-                      <a:r>
-                        <a:rPr lang="de-DE" baseline="0" dirty="0" err="1" smtClean="0"/>
-                        <a:t>and</a:t>
-                      </a:r>
-                      <a:r>
-                        <a:rPr lang="de-DE" baseline="0" dirty="0" smtClean="0"/>
-                        <a:t> </a:t>
-                      </a:r>
-                      <a:r>
-                        <a:rPr lang="de-DE" baseline="0" dirty="0" err="1" smtClean="0"/>
-                        <a:t>handling</a:t>
-                      </a:r>
-                      <a:r>
-                        <a:rPr lang="de-DE" baseline="0" dirty="0" smtClean="0"/>
-                        <a:t>, </a:t>
-                      </a:r>
-                      <a:r>
-                        <a:rPr lang="de-DE" baseline="0" dirty="0" err="1" smtClean="0"/>
-                        <a:t>player</a:t>
-                      </a:r>
-                      <a:r>
-                        <a:rPr lang="de-DE" baseline="0" dirty="0" smtClean="0"/>
-                        <a:t> </a:t>
-                      </a:r>
-                      <a:r>
-                        <a:rPr lang="de-DE" baseline="0" dirty="0" err="1" smtClean="0"/>
-                        <a:t>dead</a:t>
-                      </a:r>
-                      <a:r>
-                        <a:rPr lang="de-DE" baseline="0" dirty="0" smtClean="0"/>
-                        <a:t> </a:t>
-                      </a:r>
-                      <a:r>
-                        <a:rPr lang="de-DE" baseline="0" dirty="0" err="1" smtClean="0"/>
-                        <a:t>animation</a:t>
-                      </a:r>
-                      <a:r>
-                        <a:rPr lang="de-DE" baseline="0" dirty="0" smtClean="0"/>
-                        <a:t>, </a:t>
-                      </a:r>
-                      <a:r>
-                        <a:rPr lang="de-DE" baseline="0" dirty="0" err="1" smtClean="0"/>
-                        <a:t>explosion</a:t>
-                      </a:r>
-                      <a:r>
-                        <a:rPr lang="de-DE" baseline="0" dirty="0" smtClean="0"/>
-                        <a:t> </a:t>
-                      </a:r>
-                      <a:r>
-                        <a:rPr lang="de-DE" baseline="0" dirty="0" err="1" smtClean="0"/>
-                        <a:t>sprites</a:t>
-                      </a:r>
-                      <a:endParaRPr lang="de-DE" dirty="0"/>
+                      <a:pPr rtl="0"/>
+                      <a:r>
+                        <a:rPr kumimoji="0" lang="en-US" sz="1800" kern="1200" dirty="0" smtClean="0">
+                          <a:solidFill>
+                            <a:schemeClr val="dk1"/>
+                          </a:solidFill>
+                          <a:latin typeface="+mn-lt"/>
+                          <a:ea typeface="+mn-ea"/>
+                          <a:cs typeface="+mn-cs"/>
+                        </a:rPr>
+                        <a:t>Added </a:t>
+                      </a:r>
+                      <a:r>
+                        <a:rPr kumimoji="0" lang="en-US" sz="1800" kern="1200" dirty="0" err="1" smtClean="0">
+                          <a:solidFill>
+                            <a:schemeClr val="dk1"/>
+                          </a:solidFill>
+                          <a:latin typeface="+mn-lt"/>
+                          <a:ea typeface="+mn-ea"/>
+                          <a:cs typeface="+mn-cs"/>
+                        </a:rPr>
+                        <a:t>MainMenu</a:t>
+                      </a:r>
+                      <a:r>
+                        <a:rPr kumimoji="0" lang="en-US" sz="1800" kern="1200" dirty="0" smtClean="0">
+                          <a:solidFill>
+                            <a:schemeClr val="dk1"/>
+                          </a:solidFill>
+                          <a:latin typeface="+mn-lt"/>
+                          <a:ea typeface="+mn-ea"/>
+                          <a:cs typeface="+mn-cs"/>
+                        </a:rPr>
+                        <a:t>- and Retry-Scenes to create a real game-loop (scene-management); added current- and persistent score; win/lose conditions; created different enemy spawning stages; overall bug fixes</a:t>
+                      </a:r>
+                      <a:endParaRPr kumimoji="0" lang="en-US" sz="1800" kern="1200" dirty="0" smtClean="0">
+                        <a:solidFill>
+                          <a:schemeClr val="dk1"/>
+                        </a:solidFill>
+                        <a:latin typeface="+mn-lt"/>
+                        <a:ea typeface="+mn-ea"/>
+                        <a:cs typeface="+mn-cs"/>
+                      </a:endParaRPr>
                     </a:p>
                   </a:txBody>
                   <a:tcPr/>
@@ -13192,7 +12814,7 @@
                     <a:p>
                       <a:r>
                         <a:rPr lang="de-DE" dirty="0" smtClean="0"/>
-                        <a:t>12h</a:t>
+                        <a:t>4h</a:t>
                       </a:r>
                       <a:endParaRPr lang="de-DE" dirty="0"/>
                     </a:p>
@@ -13220,139 +12842,70 @@
                     <a:bodyPr/>
                     <a:lstStyle/>
                     <a:p>
-                      <a:r>
-                        <a:rPr lang="de-DE" dirty="0" smtClean="0"/>
-                        <a:t>Protostars, </a:t>
-                      </a:r>
-                      <a:r>
-                        <a:rPr lang="de-DE" dirty="0" err="1" smtClean="0"/>
-                        <a:t>asteroids</a:t>
-                      </a:r>
-                      <a:r>
-                        <a:rPr lang="de-DE" dirty="0" smtClean="0"/>
-                        <a:t>, </a:t>
-                      </a:r>
-                      <a:r>
-                        <a:rPr lang="de-DE" dirty="0" err="1" smtClean="0"/>
-                        <a:t>gamestages</a:t>
-                      </a:r>
-                      <a:r>
-                        <a:rPr lang="de-DE" dirty="0" smtClean="0"/>
-                        <a:t>,</a:t>
-                      </a:r>
-                      <a:r>
-                        <a:rPr lang="de-DE" baseline="0" dirty="0" smtClean="0"/>
-                        <a:t> </a:t>
-                      </a:r>
-                      <a:r>
-                        <a:rPr lang="de-DE" baseline="0" dirty="0" err="1" smtClean="0"/>
-                        <a:t>physics</a:t>
-                      </a:r>
-                      <a:r>
-                        <a:rPr lang="de-DE" baseline="0" dirty="0" smtClean="0"/>
-                        <a:t> </a:t>
-                      </a:r>
-                      <a:r>
-                        <a:rPr lang="de-DE" baseline="0" dirty="0" err="1" smtClean="0"/>
-                        <a:t>settings</a:t>
-                      </a:r>
-                      <a:r>
-                        <a:rPr lang="de-DE" baseline="0" dirty="0" smtClean="0"/>
-                        <a:t> </a:t>
-                      </a:r>
-                      <a:r>
-                        <a:rPr lang="de-DE" baseline="0" dirty="0" err="1" smtClean="0"/>
-                        <a:t>between</a:t>
-                      </a:r>
-                      <a:r>
-                        <a:rPr lang="de-DE" baseline="0" dirty="0" smtClean="0"/>
-                        <a:t> </a:t>
-                      </a:r>
-                      <a:r>
-                        <a:rPr lang="de-DE" baseline="0" dirty="0" err="1" smtClean="0"/>
-                        <a:t>player</a:t>
-                      </a:r>
-                      <a:r>
-                        <a:rPr lang="de-DE" baseline="0" dirty="0" smtClean="0"/>
-                        <a:t> </a:t>
-                      </a:r>
-                      <a:r>
-                        <a:rPr lang="de-DE" baseline="0" dirty="0" err="1" smtClean="0"/>
-                        <a:t>and</a:t>
-                      </a:r>
-                      <a:r>
-                        <a:rPr lang="de-DE" baseline="0" dirty="0" smtClean="0"/>
-                        <a:t> </a:t>
-                      </a:r>
-                      <a:r>
-                        <a:rPr lang="de-DE" baseline="0" dirty="0" err="1" smtClean="0"/>
-                        <a:t>asteroids</a:t>
-                      </a:r>
-                      <a:r>
-                        <a:rPr lang="de-DE" baseline="0" dirty="0" smtClean="0"/>
-                        <a:t>, </a:t>
-                      </a:r>
-                      <a:r>
-                        <a:rPr lang="de-DE" baseline="0" dirty="0" err="1" smtClean="0"/>
-                        <a:t>game</a:t>
-                      </a:r>
-                      <a:r>
-                        <a:rPr lang="de-DE" baseline="0" dirty="0" smtClean="0"/>
-                        <a:t> </a:t>
-                      </a:r>
-                      <a:r>
-                        <a:rPr lang="de-DE" baseline="0" dirty="0" err="1" smtClean="0"/>
-                        <a:t>logics</a:t>
-                      </a:r>
-                      <a:r>
-                        <a:rPr lang="de-DE" baseline="0" dirty="0" smtClean="0"/>
-                        <a:t>, </a:t>
-                      </a:r>
-                      <a:r>
-                        <a:rPr lang="de-DE" baseline="0" dirty="0" err="1" smtClean="0"/>
-                        <a:t>win</a:t>
-                      </a:r>
-                      <a:r>
-                        <a:rPr lang="de-DE" baseline="0" dirty="0" smtClean="0"/>
-                        <a:t>/lose </a:t>
-                      </a:r>
-                      <a:r>
-                        <a:rPr lang="de-DE" baseline="0" dirty="0" err="1" smtClean="0"/>
-                        <a:t>conditions</a:t>
-                      </a:r>
-                      <a:r>
-                        <a:rPr lang="de-DE" baseline="0" dirty="0" smtClean="0"/>
-                        <a:t>, </a:t>
-                      </a:r>
-                      <a:r>
-                        <a:rPr lang="de-DE" baseline="0" dirty="0" err="1" smtClean="0"/>
-                        <a:t>new</a:t>
-                      </a:r>
-                      <a:r>
-                        <a:rPr lang="de-DE" baseline="0" dirty="0" smtClean="0"/>
-                        <a:t> </a:t>
-                      </a:r>
-                      <a:r>
-                        <a:rPr lang="de-DE" baseline="0" dirty="0" err="1" smtClean="0"/>
-                        <a:t>enemy</a:t>
-                      </a:r>
-                      <a:r>
-                        <a:rPr lang="de-DE" baseline="0" dirty="0" smtClean="0"/>
-                        <a:t> </a:t>
-                      </a:r>
-                      <a:r>
-                        <a:rPr lang="de-DE" baseline="0" dirty="0" err="1" smtClean="0"/>
-                        <a:t>sprite</a:t>
-                      </a:r>
-                      <a:r>
-                        <a:rPr lang="de-DE" baseline="0" dirty="0" smtClean="0"/>
-                        <a:t> </a:t>
-                      </a:r>
-                      <a:r>
-                        <a:rPr lang="de-DE" baseline="0" dirty="0" err="1" smtClean="0"/>
-                        <a:t>sheets</a:t>
-                      </a:r>
-                      <a:endParaRPr lang="de-DE" dirty="0"/>
+                      <a:pPr rtl="0"/>
+                      <a:r>
+                        <a:rPr kumimoji="0" lang="en-US" sz="1800" kern="1200" dirty="0" smtClean="0">
+                          <a:solidFill>
+                            <a:schemeClr val="dk1"/>
+                          </a:solidFill>
+                          <a:latin typeface="+mn-lt"/>
+                          <a:ea typeface="+mn-ea"/>
+                          <a:cs typeface="+mn-cs"/>
+                        </a:rPr>
+                        <a:t>Created </a:t>
+                      </a:r>
+                      <a:r>
+                        <a:rPr kumimoji="0" lang="en-US" sz="1800" kern="1200" dirty="0" err="1" smtClean="0">
+                          <a:solidFill>
+                            <a:schemeClr val="dk1"/>
+                          </a:solidFill>
+                          <a:latin typeface="+mn-lt"/>
+                          <a:ea typeface="+mn-ea"/>
+                          <a:cs typeface="+mn-cs"/>
+                        </a:rPr>
+                        <a:t>PowerUp</a:t>
+                      </a:r>
+                      <a:r>
+                        <a:rPr kumimoji="0" lang="en-US" sz="1800" kern="1200" dirty="0" smtClean="0">
+                          <a:solidFill>
+                            <a:schemeClr val="dk1"/>
+                          </a:solidFill>
+                          <a:latin typeface="+mn-lt"/>
+                          <a:ea typeface="+mn-ea"/>
+                          <a:cs typeface="+mn-cs"/>
+                        </a:rPr>
+                        <a:t> (Health) that increases life-count (problems with </a:t>
+                      </a:r>
+                      <a:r>
+                        <a:rPr kumimoji="0" lang="en-US" sz="1800" kern="1200" dirty="0" err="1" smtClean="0">
+                          <a:solidFill>
+                            <a:schemeClr val="dk1"/>
+                          </a:solidFill>
+                          <a:latin typeface="+mn-lt"/>
+                          <a:ea typeface="+mn-ea"/>
+                          <a:cs typeface="+mn-cs"/>
+                        </a:rPr>
+                        <a:t>didEnd</a:t>
+                      </a:r>
+                      <a:r>
+                        <a:rPr kumimoji="0" lang="en-US" sz="1800" kern="1200" dirty="0" smtClean="0">
+                          <a:solidFill>
+                            <a:schemeClr val="dk1"/>
+                          </a:solidFill>
+                          <a:latin typeface="+mn-lt"/>
+                          <a:ea typeface="+mn-ea"/>
+                          <a:cs typeface="+mn-cs"/>
+                        </a:rPr>
+                        <a:t> not triggered); created ship-sprite-sheet for final ship animation; created random rotation for all asteroids; bug fixes (esp. sound, z-Index)</a:t>
+                      </a:r>
+                      <a:endParaRPr kumimoji="0" lang="en-US" sz="1800" kern="1200" dirty="0" smtClean="0">
+                        <a:solidFill>
+                          <a:schemeClr val="dk1"/>
+                        </a:solidFill>
+                        <a:latin typeface="+mn-lt"/>
+                        <a:ea typeface="+mn-ea"/>
+                        <a:cs typeface="+mn-cs"/>
+                      </a:endParaRPr>
                     </a:p>
                   </a:txBody>
                   <a:tcPr/>
@@ -13364,7 +12917,7 @@
                     <a:p>
                       <a:r>
                         <a:rPr lang="de-DE" dirty="0" smtClean="0"/>
-                        <a:t>12h</a:t>
+                        <a:t>8h</a:t>
                       </a:r>
                       <a:endParaRPr lang="de-DE" dirty="0"/>
                     </a:p>
@@ -13456,7 +13009,7 @@
                     <a:p>
                       <a:r>
                         <a:rPr lang="de-DE" dirty="0" smtClean="0"/>
-                        <a:t>10h</a:t>
+                        <a:t>4h</a:t>
                       </a:r>
                       <a:endParaRPr lang="de-DE" dirty="0"/>
                     </a:p>
@@ -13471,7 +13024,7 @@
     </p:spTree>
     <p:extLst>
       <p:ext uri="{BB962C8B-B14F-4D97-AF65-F5344CB8AC3E}">
-        <p14:creationId xmlns:p14="http://schemas.microsoft.com/office/powerpoint/2010/main" xmlns="" val="2924649567"/>
+        <p14:creationId xmlns="" xmlns:p14="http://schemas.microsoft.com/office/powerpoint/2010/main" val="2924649567"/>
       </p:ext>
     </p:extLst>
   </p:cSld>
@@ -13510,7 +13063,7 @@
           <p:cNvPr id="2" name="Titel 1">
             <a:extLst>
               <a:ext uri="{FF2B5EF4-FFF2-40B4-BE49-F238E27FC236}">
-                <a16:creationId xmlns:a16="http://schemas.microsoft.com/office/drawing/2014/main" xmlns="" id="{9E91557E-A725-4A8B-95A3-1EE0BED7E86D}"/>
+                <a16:creationId xmlns="" xmlns:a16="http://schemas.microsoft.com/office/drawing/2014/main" id="{9E91557E-A725-4A8B-95A3-1EE0BED7E86D}"/>
               </a:ext>
             </a:extLst>
           </p:cNvPr>
@@ -13543,7 +13096,7 @@
           <p:cNvPr id="3" name="Inhaltsplatzhalter 2">
             <a:extLst>
               <a:ext uri="{FF2B5EF4-FFF2-40B4-BE49-F238E27FC236}">
-                <a16:creationId xmlns:a16="http://schemas.microsoft.com/office/drawing/2014/main" xmlns="" id="{D3D285BB-E067-42A9-80F7-9F023F2EE75B}"/>
+                <a16:creationId xmlns="" xmlns:a16="http://schemas.microsoft.com/office/drawing/2014/main" id="{D3D285BB-E067-42A9-80F7-9F023F2EE75B}"/>
               </a:ext>
             </a:extLst>
           </p:cNvPr>
@@ -13650,8 +13203,39 @@
                   <a:srgbClr val="002060"/>
                 </a:solidFill>
               </a:rPr>
-              <a:t> 2 FPS in der VM</a:t>
-            </a:r>
+              <a:t> 2 FPS in der </a:t>
+            </a:r>
+            <a:r>
+              <a:rPr lang="de-DE" sz="1600" b="1" dirty="0" smtClean="0">
+                <a:solidFill>
+                  <a:srgbClr val="002060"/>
+                </a:solidFill>
+              </a:rPr>
+              <a:t>VM</a:t>
+            </a:r>
+          </a:p>
+          <a:p>
+            <a:pPr lvl="1"/>
+            <a:r>
+              <a:rPr lang="de-DE" sz="1800" dirty="0" smtClean="0"/>
+              <a:t>Datentransfer von VM aus war plötzlich nicht mehr möglich, weder in das Internet, noch in das Gast-OS oder auf eine Festplatte. Drag </a:t>
+            </a:r>
+            <a:r>
+              <a:rPr lang="de-DE" sz="1800" dirty="0" err="1" smtClean="0"/>
+              <a:t>and</a:t>
+            </a:r>
+            <a:r>
+              <a:rPr lang="de-DE" sz="1800" dirty="0" smtClean="0"/>
+              <a:t> Drop Datentransfer später wieder zeitweise möglich gewesen.</a:t>
+            </a:r>
+          </a:p>
+          <a:p>
+            <a:pPr lvl="1"/>
+            <a:endParaRPr lang="de-DE" sz="1800" b="1" dirty="0" smtClean="0">
+              <a:solidFill>
+                <a:srgbClr val="002060"/>
+              </a:solidFill>
+            </a:endParaRPr>
           </a:p>
           <a:p>
             <a:pPr lvl="2">
@@ -13674,7 +13258,15 @@
             <a:pPr lvl="1"/>
             <a:r>
               <a:rPr lang="de-DE" sz="1800" dirty="0" smtClean="0"/>
-              <a:t>Extrem gutes Framework für 2D-Games</a:t>
+              <a:t>Extrem </a:t>
+            </a:r>
+            <a:r>
+              <a:rPr lang="de-DE" sz="1800" dirty="0" smtClean="0"/>
+              <a:t>gutes Framework für mobile </a:t>
+            </a:r>
+            <a:r>
+              <a:rPr lang="de-DE" sz="1800" dirty="0" smtClean="0"/>
+              <a:t>2D-Games</a:t>
             </a:r>
           </a:p>
           <a:p>
@@ -13725,8 +13317,29 @@
                   <a:srgbClr val="002060"/>
                 </a:solidFill>
               </a:rPr>
+              <a:t>, power </a:t>
+            </a:r>
+            <a:r>
+              <a:rPr lang="de-DE" sz="1600" b="1" dirty="0" err="1" smtClean="0">
+                <a:solidFill>
+                  <a:srgbClr val="002060"/>
+                </a:solidFill>
+              </a:rPr>
+              <a:t>up</a:t>
+            </a:r>
+            <a:r>
+              <a:rPr lang="de-DE" sz="1600" b="1" dirty="0" smtClean="0">
+                <a:solidFill>
+                  <a:srgbClr val="002060"/>
+                </a:solidFill>
+              </a:rPr>
               <a:t>)</a:t>
             </a:r>
+            <a:endParaRPr lang="de-DE" sz="1600" b="1" dirty="0" smtClean="0">
+              <a:solidFill>
+                <a:srgbClr val="002060"/>
+              </a:solidFill>
+            </a:endParaRPr>
           </a:p>
           <a:p>
             <a:pPr lvl="2"/>
@@ -13806,7 +13419,7 @@
     </p:spTree>
     <p:extLst>
       <p:ext uri="{BB962C8B-B14F-4D97-AF65-F5344CB8AC3E}">
-        <p14:creationId xmlns:p14="http://schemas.microsoft.com/office/powerpoint/2010/main" xmlns="" val="2924649567"/>
+        <p14:creationId xmlns="" xmlns:p14="http://schemas.microsoft.com/office/powerpoint/2010/main" val="2924649567"/>
       </p:ext>
     </p:extLst>
   </p:cSld>
@@ -13958,7 +13571,7 @@
           <p:cNvPr id="2" name="Titel 1">
             <a:extLst>
               <a:ext uri="{FF2B5EF4-FFF2-40B4-BE49-F238E27FC236}">
-                <a16:creationId xmlns:a16="http://schemas.microsoft.com/office/drawing/2014/main" xmlns="" id="{85DF673F-ADF7-4AB7-A02F-D116F1DC076F}"/>
+                <a16:creationId xmlns="" xmlns:a16="http://schemas.microsoft.com/office/drawing/2014/main" id="{85DF673F-ADF7-4AB7-A02F-D116F1DC076F}"/>
               </a:ext>
             </a:extLst>
           </p:cNvPr>
@@ -13991,7 +13604,7 @@
           <p:cNvPr id="3" name="Inhaltsplatzhalter 2">
             <a:extLst>
               <a:ext uri="{FF2B5EF4-FFF2-40B4-BE49-F238E27FC236}">
-                <a16:creationId xmlns:a16="http://schemas.microsoft.com/office/drawing/2014/main" xmlns="" id="{94097C9D-5DAD-4A9C-9161-1D9D8E87B7CA}"/>
+                <a16:creationId xmlns="" xmlns:a16="http://schemas.microsoft.com/office/drawing/2014/main" id="{94097C9D-5DAD-4A9C-9161-1D9D8E87B7CA}"/>
               </a:ext>
             </a:extLst>
           </p:cNvPr>
@@ -14018,7 +13631,6 @@
               <a:rPr lang="de-DE" sz="2200" dirty="0" smtClean="0"/>
               <a:t>Game Plot</a:t>
             </a:r>
-            <a:endParaRPr lang="de-DE" sz="2200" dirty="0" smtClean="0"/>
           </a:p>
           <a:p>
             <a:r>
@@ -14032,7 +13644,6 @@
               <a:rPr lang="de-DE" sz="2200" dirty="0" smtClean="0"/>
               <a:t>Game Code :</a:t>
             </a:r>
-            <a:endParaRPr lang="de-DE" sz="2200" dirty="0" smtClean="0"/>
           </a:p>
           <a:p>
             <a:pPr lvl="1"/>
@@ -14118,7 +13729,7 @@
     </p:spTree>
     <p:extLst>
       <p:ext uri="{BB962C8B-B14F-4D97-AF65-F5344CB8AC3E}">
-        <p14:creationId xmlns:p14="http://schemas.microsoft.com/office/powerpoint/2010/main" xmlns="" val="4002107155"/>
+        <p14:creationId xmlns="" xmlns:p14="http://schemas.microsoft.com/office/powerpoint/2010/main" val="4002107155"/>
       </p:ext>
     </p:extLst>
   </p:cSld>
@@ -14157,7 +13768,7 @@
           <p:cNvPr id="2" name="Titel 1">
             <a:extLst>
               <a:ext uri="{FF2B5EF4-FFF2-40B4-BE49-F238E27FC236}">
-                <a16:creationId xmlns:a16="http://schemas.microsoft.com/office/drawing/2014/main" xmlns="" id="{9E91557E-A725-4A8B-95A3-1EE0BED7E86D}"/>
+                <a16:creationId xmlns="" xmlns:a16="http://schemas.microsoft.com/office/drawing/2014/main" id="{9E91557E-A725-4A8B-95A3-1EE0BED7E86D}"/>
               </a:ext>
             </a:extLst>
           </p:cNvPr>
@@ -14186,7 +13797,7 @@
           <p:cNvPr id="3" name="Inhaltsplatzhalter 2">
             <a:extLst>
               <a:ext uri="{FF2B5EF4-FFF2-40B4-BE49-F238E27FC236}">
-                <a16:creationId xmlns:a16="http://schemas.microsoft.com/office/drawing/2014/main" xmlns="" id="{D3D285BB-E067-42A9-80F7-9F023F2EE75B}"/>
+                <a16:creationId xmlns="" xmlns:a16="http://schemas.microsoft.com/office/drawing/2014/main" id="{D3D285BB-E067-42A9-80F7-9F023F2EE75B}"/>
               </a:ext>
             </a:extLst>
           </p:cNvPr>
@@ -15495,7 +15106,7 @@
     </p:spTree>
     <p:extLst>
       <p:ext uri="{BB962C8B-B14F-4D97-AF65-F5344CB8AC3E}">
-        <p14:creationId xmlns:p14="http://schemas.microsoft.com/office/powerpoint/2010/main" xmlns="" val="2924649567"/>
+        <p14:creationId xmlns="" xmlns:p14="http://schemas.microsoft.com/office/powerpoint/2010/main" val="2924649567"/>
       </p:ext>
     </p:extLst>
   </p:cSld>
@@ -15534,7 +15145,7 @@
           <p:cNvPr id="2" name="Titel 1">
             <a:extLst>
               <a:ext uri="{FF2B5EF4-FFF2-40B4-BE49-F238E27FC236}">
-                <a16:creationId xmlns:a16="http://schemas.microsoft.com/office/drawing/2014/main" xmlns="" id="{9E91557E-A725-4A8B-95A3-1EE0BED7E86D}"/>
+                <a16:creationId xmlns="" xmlns:a16="http://schemas.microsoft.com/office/drawing/2014/main" id="{9E91557E-A725-4A8B-95A3-1EE0BED7E86D}"/>
               </a:ext>
             </a:extLst>
           </p:cNvPr>
@@ -15563,7 +15174,7 @@
           <p:cNvPr id="3" name="Inhaltsplatzhalter 2">
             <a:extLst>
               <a:ext uri="{FF2B5EF4-FFF2-40B4-BE49-F238E27FC236}">
-                <a16:creationId xmlns:a16="http://schemas.microsoft.com/office/drawing/2014/main" xmlns="" id="{D3D285BB-E067-42A9-80F7-9F023F2EE75B}"/>
+                <a16:creationId xmlns="" xmlns:a16="http://schemas.microsoft.com/office/drawing/2014/main" id="{D3D285BB-E067-42A9-80F7-9F023F2EE75B}"/>
               </a:ext>
             </a:extLst>
           </p:cNvPr>
@@ -15785,7 +15396,7 @@
           <p:cNvPr id="30" name="Inhaltsplatzhalter 2">
             <a:extLst>
               <a:ext uri="{FF2B5EF4-FFF2-40B4-BE49-F238E27FC236}">
-                <a16:creationId xmlns:a16="http://schemas.microsoft.com/office/drawing/2014/main" xmlns="" id="{D3D285BB-E067-42A9-80F7-9F023F2EE75B}"/>
+                <a16:creationId xmlns="" xmlns:a16="http://schemas.microsoft.com/office/drawing/2014/main" id="{D3D285BB-E067-42A9-80F7-9F023F2EE75B}"/>
               </a:ext>
             </a:extLst>
           </p:cNvPr>
@@ -16193,7 +15804,7 @@
           <p:cNvPr id="40" name="Inhaltsplatzhalter 2">
             <a:extLst>
               <a:ext uri="{FF2B5EF4-FFF2-40B4-BE49-F238E27FC236}">
-                <a16:creationId xmlns:a16="http://schemas.microsoft.com/office/drawing/2014/main" xmlns="" id="{D3D285BB-E067-42A9-80F7-9F023F2EE75B}"/>
+                <a16:creationId xmlns="" xmlns:a16="http://schemas.microsoft.com/office/drawing/2014/main" id="{D3D285BB-E067-42A9-80F7-9F023F2EE75B}"/>
               </a:ext>
             </a:extLst>
           </p:cNvPr>
@@ -16643,7 +16254,7 @@
           <p:cNvPr id="43" name="Inhaltsplatzhalter 2">
             <a:extLst>
               <a:ext uri="{FF2B5EF4-FFF2-40B4-BE49-F238E27FC236}">
-                <a16:creationId xmlns:a16="http://schemas.microsoft.com/office/drawing/2014/main" xmlns="" id="{D3D285BB-E067-42A9-80F7-9F023F2EE75B}"/>
+                <a16:creationId xmlns="" xmlns:a16="http://schemas.microsoft.com/office/drawing/2014/main" id="{D3D285BB-E067-42A9-80F7-9F023F2EE75B}"/>
               </a:ext>
             </a:extLst>
           </p:cNvPr>
@@ -16903,7 +16514,7 @@
     </p:spTree>
     <p:extLst>
       <p:ext uri="{BB962C8B-B14F-4D97-AF65-F5344CB8AC3E}">
-        <p14:creationId xmlns:p14="http://schemas.microsoft.com/office/powerpoint/2010/main" xmlns="" val="2924649567"/>
+        <p14:creationId xmlns="" xmlns:p14="http://schemas.microsoft.com/office/powerpoint/2010/main" val="2924649567"/>
       </p:ext>
     </p:extLst>
   </p:cSld>
@@ -16942,7 +16553,7 @@
           <p:cNvPr id="2" name="Titel 1">
             <a:extLst>
               <a:ext uri="{FF2B5EF4-FFF2-40B4-BE49-F238E27FC236}">
-                <a16:creationId xmlns:a16="http://schemas.microsoft.com/office/drawing/2014/main" xmlns="" id="{24D56DBD-4AC8-4DB7-AC7A-13B19A96F3B0}"/>
+                <a16:creationId xmlns="" xmlns:a16="http://schemas.microsoft.com/office/drawing/2014/main" id="{24D56DBD-4AC8-4DB7-AC7A-13B19A96F3B0}"/>
               </a:ext>
             </a:extLst>
           </p:cNvPr>
@@ -16975,7 +16586,7 @@
           <p:cNvPr id="3" name="Inhaltsplatzhalter 2">
             <a:extLst>
               <a:ext uri="{FF2B5EF4-FFF2-40B4-BE49-F238E27FC236}">
-                <a16:creationId xmlns:a16="http://schemas.microsoft.com/office/drawing/2014/main" xmlns="" id="{F3692078-C6EB-45C6-867D-E88D381EF5DD}"/>
+                <a16:creationId xmlns="" xmlns:a16="http://schemas.microsoft.com/office/drawing/2014/main" id="{F3692078-C6EB-45C6-867D-E88D381EF5DD}"/>
               </a:ext>
             </a:extLst>
           </p:cNvPr>
@@ -17074,7 +16685,7 @@
     </p:spTree>
     <p:extLst>
       <p:ext uri="{BB962C8B-B14F-4D97-AF65-F5344CB8AC3E}">
-        <p14:creationId xmlns:p14="http://schemas.microsoft.com/office/powerpoint/2010/main" xmlns="" val="1567044186"/>
+        <p14:creationId xmlns="" xmlns:p14="http://schemas.microsoft.com/office/powerpoint/2010/main" val="1567044186"/>
       </p:ext>
     </p:extLst>
   </p:cSld>
@@ -17113,7 +16724,7 @@
           <p:cNvPr id="2" name="Titel 1">
             <a:extLst>
               <a:ext uri="{FF2B5EF4-FFF2-40B4-BE49-F238E27FC236}">
-                <a16:creationId xmlns:a16="http://schemas.microsoft.com/office/drawing/2014/main" xmlns="" id="{24D56DBD-4AC8-4DB7-AC7A-13B19A96F3B0}"/>
+                <a16:creationId xmlns="" xmlns:a16="http://schemas.microsoft.com/office/drawing/2014/main" id="{24D56DBD-4AC8-4DB7-AC7A-13B19A96F3B0}"/>
               </a:ext>
             </a:extLst>
           </p:cNvPr>
@@ -17139,11 +16750,7 @@
             </a:r>
             <a:r>
               <a:rPr lang="de-DE" dirty="0" smtClean="0"/>
-              <a:t> </a:t>
-            </a:r>
-            <a:r>
-              <a:rPr lang="de-DE" dirty="0" smtClean="0"/>
-              <a:t>– </a:t>
+              <a:t> – </a:t>
             </a:r>
             <a:r>
               <a:rPr lang="de-DE" dirty="0" err="1" smtClean="0"/>
@@ -17158,7 +16765,7 @@
           <p:cNvPr id="3" name="Inhaltsplatzhalter 2">
             <a:extLst>
               <a:ext uri="{FF2B5EF4-FFF2-40B4-BE49-F238E27FC236}">
-                <a16:creationId xmlns:a16="http://schemas.microsoft.com/office/drawing/2014/main" xmlns="" id="{F3692078-C6EB-45C6-867D-E88D381EF5DD}"/>
+                <a16:creationId xmlns="" xmlns:a16="http://schemas.microsoft.com/office/drawing/2014/main" id="{F3692078-C6EB-45C6-867D-E88D381EF5DD}"/>
               </a:ext>
             </a:extLst>
           </p:cNvPr>
@@ -17199,11 +16806,7 @@
             </a:r>
             <a:r>
               <a:rPr lang="de-DE" sz="2000" dirty="0" smtClean="0"/>
-              <a:t> update(</a:t>
-            </a:r>
-            <a:r>
-              <a:rPr lang="de-DE" sz="2000" dirty="0" smtClean="0"/>
-              <a:t>_ </a:t>
+              <a:t> update(_ </a:t>
             </a:r>
             <a:r>
               <a:rPr lang="de-DE" sz="2000" dirty="0" err="1" smtClean="0"/>
@@ -17221,7 +16824,6 @@
               <a:rPr lang="de-DE" sz="2000" dirty="0" smtClean="0"/>
               <a:t>){…}</a:t>
             </a:r>
-            <a:endParaRPr lang="de-DE" sz="2000" dirty="0" smtClean="0"/>
           </a:p>
         </p:txBody>
       </p:sp>
@@ -17254,7 +16856,7 @@
     </p:spTree>
     <p:extLst>
       <p:ext uri="{BB962C8B-B14F-4D97-AF65-F5344CB8AC3E}">
-        <p14:creationId xmlns:p14="http://schemas.microsoft.com/office/powerpoint/2010/main" xmlns="" val="1567044186"/>
+        <p14:creationId xmlns="" xmlns:p14="http://schemas.microsoft.com/office/powerpoint/2010/main" val="1567044186"/>
       </p:ext>
     </p:extLst>
   </p:cSld>
@@ -17293,7 +16895,7 @@
           <p:cNvPr id="2" name="Titel 1">
             <a:extLst>
               <a:ext uri="{FF2B5EF4-FFF2-40B4-BE49-F238E27FC236}">
-                <a16:creationId xmlns:a16="http://schemas.microsoft.com/office/drawing/2014/main" xmlns="" id="{24D56DBD-4AC8-4DB7-AC7A-13B19A96F3B0}"/>
+                <a16:creationId xmlns="" xmlns:a16="http://schemas.microsoft.com/office/drawing/2014/main" id="{24D56DBD-4AC8-4DB7-AC7A-13B19A96F3B0}"/>
               </a:ext>
             </a:extLst>
           </p:cNvPr>
@@ -17319,19 +16921,11 @@
             </a:r>
             <a:r>
               <a:rPr lang="de-DE" dirty="0" smtClean="0"/>
-              <a:t> – A</a:t>
-            </a:r>
-            <a:r>
-              <a:rPr lang="de-DE" dirty="0" smtClean="0"/>
-              <a:t>dd </a:t>
+              <a:t> – Add </a:t>
             </a:r>
             <a:r>
               <a:rPr lang="de-DE" dirty="0" err="1" smtClean="0"/>
-              <a:t>S</a:t>
-            </a:r>
-            <a:r>
-              <a:rPr lang="de-DE" dirty="0" err="1" smtClean="0"/>
-              <a:t>hot</a:t>
+              <a:t>Shot</a:t>
             </a:r>
             <a:endParaRPr lang="de-DE" dirty="0"/>
           </a:p>
@@ -17342,7 +16936,7 @@
           <p:cNvPr id="3" name="Inhaltsplatzhalter 2">
             <a:extLst>
               <a:ext uri="{FF2B5EF4-FFF2-40B4-BE49-F238E27FC236}">
-                <a16:creationId xmlns:a16="http://schemas.microsoft.com/office/drawing/2014/main" xmlns="" id="{F3692078-C6EB-45C6-867D-E88D381EF5DD}"/>
+                <a16:creationId xmlns="" xmlns:a16="http://schemas.microsoft.com/office/drawing/2014/main" id="{F3692078-C6EB-45C6-867D-E88D381EF5DD}"/>
               </a:ext>
             </a:extLst>
           </p:cNvPr>
@@ -17405,7 +16999,6 @@
               <a:rPr lang="de-DE" sz="2000" dirty="0" smtClean="0"/>
               <a:t>){…}</a:t>
             </a:r>
-            <a:endParaRPr lang="de-DE" sz="2000" dirty="0" smtClean="0"/>
           </a:p>
         </p:txBody>
       </p:sp>
@@ -17438,7 +17031,7 @@
     </p:spTree>
     <p:extLst>
       <p:ext uri="{BB962C8B-B14F-4D97-AF65-F5344CB8AC3E}">
-        <p14:creationId xmlns:p14="http://schemas.microsoft.com/office/powerpoint/2010/main" xmlns="" val="1567044186"/>
+        <p14:creationId xmlns="" xmlns:p14="http://schemas.microsoft.com/office/powerpoint/2010/main" val="1567044186"/>
       </p:ext>
     </p:extLst>
   </p:cSld>
@@ -17477,7 +17070,7 @@
           <p:cNvPr id="2" name="Titel 1">
             <a:extLst>
               <a:ext uri="{FF2B5EF4-FFF2-40B4-BE49-F238E27FC236}">
-                <a16:creationId xmlns:a16="http://schemas.microsoft.com/office/drawing/2014/main" xmlns="" id="{24D56DBD-4AC8-4DB7-AC7A-13B19A96F3B0}"/>
+                <a16:creationId xmlns="" xmlns:a16="http://schemas.microsoft.com/office/drawing/2014/main" id="{24D56DBD-4AC8-4DB7-AC7A-13B19A96F3B0}"/>
               </a:ext>
             </a:extLst>
           </p:cNvPr>
@@ -17510,7 +17103,7 @@
           <p:cNvPr id="3" name="Inhaltsplatzhalter 2">
             <a:extLst>
               <a:ext uri="{FF2B5EF4-FFF2-40B4-BE49-F238E27FC236}">
-                <a16:creationId xmlns:a16="http://schemas.microsoft.com/office/drawing/2014/main" xmlns="" id="{F3692078-C6EB-45C6-867D-E88D381EF5DD}"/>
+                <a16:creationId xmlns="" xmlns:a16="http://schemas.microsoft.com/office/drawing/2014/main" id="{F3692078-C6EB-45C6-867D-E88D381EF5DD}"/>
               </a:ext>
             </a:extLst>
           </p:cNvPr>
@@ -17551,13 +17144,8 @@
             </a:r>
             <a:r>
               <a:rPr lang="de-DE" sz="2000" dirty="0" smtClean="0"/>
-              <a:t> update() </a:t>
-            </a:r>
-            <a:r>
-              <a:rPr lang="de-DE" sz="2000" dirty="0" smtClean="0"/>
-              <a:t>{…}</a:t>
-            </a:r>
-            <a:endParaRPr lang="de-DE" sz="2000" dirty="0" smtClean="0"/>
+              <a:t> update() {…}</a:t>
+            </a:r>
           </a:p>
         </p:txBody>
       </p:sp>
@@ -17566,7 +17154,7 @@
           <p:cNvPr id="5" name="Inhaltsplatzhalter 2">
             <a:extLst>
               <a:ext uri="{FF2B5EF4-FFF2-40B4-BE49-F238E27FC236}">
-                <a16:creationId xmlns:a16="http://schemas.microsoft.com/office/drawing/2014/main" xmlns="" id="{F3692078-C6EB-45C6-867D-E88D381EF5DD}"/>
+                <a16:creationId xmlns="" xmlns:a16="http://schemas.microsoft.com/office/drawing/2014/main" id="{F3692078-C6EB-45C6-867D-E88D381EF5DD}"/>
               </a:ext>
             </a:extLst>
           </p:cNvPr>
@@ -17739,7 +17327,7 @@
           <p:cNvPr id="9" name="Inhaltsplatzhalter 2">
             <a:extLst>
               <a:ext uri="{FF2B5EF4-FFF2-40B4-BE49-F238E27FC236}">
-                <a16:creationId xmlns:a16="http://schemas.microsoft.com/office/drawing/2014/main" xmlns="" id="{F3692078-C6EB-45C6-867D-E88D381EF5DD}"/>
+                <a16:creationId xmlns="" xmlns:a16="http://schemas.microsoft.com/office/drawing/2014/main" id="{F3692078-C6EB-45C6-867D-E88D381EF5DD}"/>
               </a:ext>
             </a:extLst>
           </p:cNvPr>
@@ -17960,7 +17548,7 @@
     </p:spTree>
     <p:extLst>
       <p:ext uri="{BB962C8B-B14F-4D97-AF65-F5344CB8AC3E}">
-        <p14:creationId xmlns:p14="http://schemas.microsoft.com/office/powerpoint/2010/main" xmlns="" val="1567044186"/>
+        <p14:creationId xmlns="" xmlns:p14="http://schemas.microsoft.com/office/powerpoint/2010/main" val="1567044186"/>
       </p:ext>
     </p:extLst>
   </p:cSld>
@@ -17999,7 +17587,7 @@
           <p:cNvPr id="2" name="Titel 1">
             <a:extLst>
               <a:ext uri="{FF2B5EF4-FFF2-40B4-BE49-F238E27FC236}">
-                <a16:creationId xmlns:a16="http://schemas.microsoft.com/office/drawing/2014/main" xmlns="" id="{9E91557E-A725-4A8B-95A3-1EE0BED7E86D}"/>
+                <a16:creationId xmlns="" xmlns:a16="http://schemas.microsoft.com/office/drawing/2014/main" id="{9E91557E-A725-4A8B-95A3-1EE0BED7E86D}"/>
               </a:ext>
             </a:extLst>
           </p:cNvPr>
@@ -19238,7 +18826,7 @@
     </p:spTree>
     <p:extLst>
       <p:ext uri="{BB962C8B-B14F-4D97-AF65-F5344CB8AC3E}">
-        <p14:creationId xmlns:p14="http://schemas.microsoft.com/office/powerpoint/2010/main" xmlns="" val="2924649567"/>
+        <p14:creationId xmlns="" xmlns:p14="http://schemas.microsoft.com/office/powerpoint/2010/main" val="2924649567"/>
       </p:ext>
     </p:extLst>
   </p:cSld>
@@ -19831,7 +19419,7 @@
   <a:extraClrSchemeLst/>
   <a:extLst>
     <a:ext uri="{05A4C25C-085E-4340-85A3-A5531E510DB2}">
-      <thm15:themeFamily xmlns:thm15="http://schemas.microsoft.com/office/thememl/2012/main" xmlns="" name="Office Theme" id="{62F939B6-93AF-4DB8-9C6B-D6C7DFDC589F}" vid="{4A3C46E8-61CC-4603-A589-7422A47A8E4A}"/>
+      <thm15:themeFamily xmlns="" xmlns:thm15="http://schemas.microsoft.com/office/thememl/2012/main" name="Office Theme" id="{62F939B6-93AF-4DB8-9C6B-D6C7DFDC589F}" vid="{4A3C46E8-61CC-4603-A589-7422A47A8E4A}"/>
     </a:ext>
   </a:extLst>
 </a:theme>
